--- a/Lectures/05-data-discussion.pptx
+++ b/Lectures/05-data-discussion.pptx
@@ -266,7 +266,7 @@
       <p15:sldGuideLst xmlns:p15="http://schemas.microsoft.com/office/powerpoint/2012/main"/>
     </p:ext>
     <p:ext uri="http://customooxmlschemas.google.com/">
-      <go:slidesCustomData xmlns:go="http://customooxmlschemas.google.com/" xmlns:p15="http://schemas.microsoft.com/office/powerpoint/2012/main" xmlns:p14="http://schemas.microsoft.com/office/powerpoint/2010/main" xmlns:com="http://schemas.openxmlformats.org/drawingml/2006/compatibility" xmlns:pvml="urn:schemas-microsoft-com:office:powerpoint" xmlns:v="urn:schemas-microsoft-com:vml" xmlns:o="urn:schemas-microsoft-com:office:office" xmlns:dgm="http://schemas.openxmlformats.org/drawingml/2006/diagram" xmlns:c="http://schemas.openxmlformats.org/drawingml/2006/chart" xmlns:mv="urn:schemas-microsoft-com:mac:vml" xmlns:mc="http://schemas.openxmlformats.org/markup-compatibility/2006" xmlns="" r:id="rId30" roundtripDataSignature="AMtx7mjFyVUGRZWio+dc9dxzYsimUxNJbg=="/>
+      <go:slidesCustomData xmlns="" xmlns:mc="http://schemas.openxmlformats.org/markup-compatibility/2006" xmlns:mv="urn:schemas-microsoft-com:mac:vml" xmlns:c="http://schemas.openxmlformats.org/drawingml/2006/chart" xmlns:dgm="http://schemas.openxmlformats.org/drawingml/2006/diagram" xmlns:o="urn:schemas-microsoft-com:office:office" xmlns:v="urn:schemas-microsoft-com:vml" xmlns:pvml="urn:schemas-microsoft-com:office:powerpoint" xmlns:com="http://schemas.openxmlformats.org/drawingml/2006/compatibility" xmlns:p14="http://schemas.microsoft.com/office/powerpoint/2010/main" xmlns:p15="http://schemas.microsoft.com/office/powerpoint/2012/main" xmlns:go="http://customooxmlschemas.google.com/" r:id="rId30" roundtripDataSignature="AMtx7mjFyVUGRZWio+dc9dxzYsimUxNJbg=="/>
     </p:ext>
   </p:extLst>
 </p:presentation>
@@ -12037,9 +12037,20 @@
                   <a:srgbClr val="595959"/>
                 </a:solidFill>
               </a:rPr>
-              <a:t>Rayid Ghani and Kit Rodolfa</a:t>
+              <a:t>Rayid Ghani</a:t>
             </a:r>
-            <a:endParaRPr sz="2800">
+          </a:p>
+          <a:p>
+            <a:pPr marL="0" lvl="0" indent="0" algn="ctr" rtl="0">
+              <a:spcBef>
+                <a:spcPts val="0"/>
+              </a:spcBef>
+              <a:spcAft>
+                <a:spcPts val="0"/>
+              </a:spcAft>
+              <a:buNone/>
+            </a:pPr>
+            <a:endParaRPr sz="2800" dirty="0">
               <a:solidFill>
                 <a:srgbClr val="595959"/>
               </a:solidFill>
